--- a/slide-decks/Data-Access.pptx
+++ b/slide-decks/Data-Access.pptx
@@ -5,7 +5,7 @@
     <p:sldMasterId id="2147483648" r:id="rId1"/>
   </p:sldMasterIdLst>
   <p:notesMasterIdLst>
-    <p:notesMasterId r:id="rId18"/>
+    <p:notesMasterId r:id="rId19"/>
   </p:notesMasterIdLst>
   <p:sldIdLst>
     <p:sldId id="256" r:id="rId2"/>
@@ -22,8 +22,9 @@
     <p:sldId id="313" r:id="rId13"/>
     <p:sldId id="314" r:id="rId14"/>
     <p:sldId id="315" r:id="rId15"/>
-    <p:sldId id="311" r:id="rId16"/>
-    <p:sldId id="301" r:id="rId17"/>
+    <p:sldId id="316" r:id="rId16"/>
+    <p:sldId id="311" r:id="rId17"/>
+    <p:sldId id="301" r:id="rId18"/>
   </p:sldIdLst>
   <p:sldSz cx="12192000" cy="6858000"/>
   <p:notesSz cx="6858000" cy="9144000"/>
@@ -661,7 +662,7 @@
           <a:p>
             <a:fld id="{4D3D7829-6833-49EA-A182-69C45F439246}" type="slidenum">
               <a:rPr lang="en-US" smtClean="0"/>
-              <a:t>16</a:t>
+              <a:t>17</a:t>
             </a:fld>
             <a:endParaRPr lang="en-US"/>
           </a:p>
@@ -6128,7 +6129,7 @@
             </a:pPr>
             <a:r>
               <a:rPr lang="en-US" dirty="0"/>
-              <a:t>INSERT INTO TABLE Customers (CompanyName, Phone)</a:t>
+              <a:t>INSERT INTO Customers (CompanyName, Phone)</a:t>
             </a:r>
           </a:p>
           <a:p>
@@ -6640,7 +6641,7 @@
           <p:cNvPr id="2" name="Title 1">
             <a:extLst>
               <a:ext uri="{FF2B5EF4-FFF2-40B4-BE49-F238E27FC236}">
-                <a16:creationId xmlns:a16="http://schemas.microsoft.com/office/drawing/2014/main" id="{A50F4AAD-B743-485A-A5E0-17ADAB97C95C}"/>
+                <a16:creationId xmlns:a16="http://schemas.microsoft.com/office/drawing/2014/main" id="{C3932DE9-9F19-4404-8E3A-326FC838C348}"/>
               </a:ext>
             </a:extLst>
           </p:cNvPr>
@@ -6658,7 +6659,7 @@
           <a:p>
             <a:r>
               <a:rPr lang="en-US" dirty="0"/>
-              <a:t>Additional Resources</a:t>
+              <a:t>DELETE Statement</a:t>
             </a:r>
           </a:p>
         </p:txBody>
@@ -6668,7 +6669,7 @@
           <p:cNvPr id="3" name="Content Placeholder 2">
             <a:extLst>
               <a:ext uri="{FF2B5EF4-FFF2-40B4-BE49-F238E27FC236}">
-                <a16:creationId xmlns:a16="http://schemas.microsoft.com/office/drawing/2014/main" id="{850389D9-6F79-41A4-8E25-4AE529449A3E}"/>
+                <a16:creationId xmlns:a16="http://schemas.microsoft.com/office/drawing/2014/main" id="{25134B1D-6623-4D91-8C22-B83B92BE0677}"/>
               </a:ext>
             </a:extLst>
           </p:cNvPr>
@@ -6684,31 +6685,39 @@
           <a:bodyPr/>
           <a:lstStyle/>
           <a:p>
-            <a:r>
-              <a:rPr lang="en-US" dirty="0">
-                <a:hlinkClick r:id="rId2"/>
-              </a:rPr>
-              <a:t>https://www.baeldung.com/spring-jdbc-jdbctemplate</a:t>
-            </a:r>
-            <a:endParaRPr lang="en-US" dirty="0"/>
-          </a:p>
-          <a:p>
-            <a:r>
-              <a:rPr lang="en-US" dirty="0">
-                <a:hlinkClick r:id="rId3"/>
-              </a:rPr>
-              <a:t>https://docs.spring.io/spring/docs/current/spring-framework-reference/data-access.html</a:t>
-            </a:r>
-            <a:endParaRPr lang="en-US" dirty="0"/>
-          </a:p>
-          <a:p>
-            <a:r>
-              <a:rPr lang="en-US" dirty="0">
-                <a:hlinkClick r:id="rId4"/>
-              </a:rPr>
-              <a:t>https://www.w3schools.com/sql/</a:t>
-            </a:r>
-            <a:endParaRPr lang="en-US" dirty="0"/>
+            <a:pPr marL="0" indent="0">
+              <a:buNone/>
+            </a:pPr>
+            <a:r>
+              <a:rPr lang="en-US" dirty="0"/>
+              <a:t>DELETE </a:t>
+            </a:r>
+          </a:p>
+          <a:p>
+            <a:pPr marL="0" indent="0">
+              <a:buNone/>
+            </a:pPr>
+            <a:r>
+              <a:rPr lang="en-US" dirty="0"/>
+              <a:t>FROM Customers </a:t>
+            </a:r>
+          </a:p>
+          <a:p>
+            <a:pPr marL="0" indent="0">
+              <a:buNone/>
+            </a:pPr>
+            <a:r>
+              <a:rPr lang="en-US" dirty="0"/>
+              <a:t>WHERE </a:t>
+            </a:r>
+            <a:r>
+              <a:rPr lang="en-US" dirty="0" err="1"/>
+              <a:t>CustomerID</a:t>
+            </a:r>
+            <a:r>
+              <a:rPr lang="en-US" dirty="0"/>
+              <a:t> = 2</a:t>
+            </a:r>
           </a:p>
         </p:txBody>
       </p:sp>
@@ -6717,7 +6726,7 @@
           <p:cNvPr id="4" name="Slide Number Placeholder 3">
             <a:extLst>
               <a:ext uri="{FF2B5EF4-FFF2-40B4-BE49-F238E27FC236}">
-                <a16:creationId xmlns:a16="http://schemas.microsoft.com/office/drawing/2014/main" id="{476972F2-DFD1-4DD3-9865-C83F9089E041}"/>
+                <a16:creationId xmlns:a16="http://schemas.microsoft.com/office/drawing/2014/main" id="{0C0E3F62-FC62-4AD8-A699-A619B8ED643B}"/>
               </a:ext>
             </a:extLst>
           </p:cNvPr>
@@ -6741,10 +6750,108 @@
           </a:p>
         </p:txBody>
       </p:sp>
+      <p:sp>
+        <p:nvSpPr>
+          <p:cNvPr id="5" name="Arrow: Left 4">
+            <a:extLst>
+              <a:ext uri="{FF2B5EF4-FFF2-40B4-BE49-F238E27FC236}">
+                <a16:creationId xmlns:a16="http://schemas.microsoft.com/office/drawing/2014/main" id="{6761ABA7-5887-4BF7-AE9E-63E438A4E72F}"/>
+              </a:ext>
+            </a:extLst>
+          </p:cNvPr>
+          <p:cNvSpPr/>
+          <p:nvPr/>
+        </p:nvSpPr>
+        <p:spPr>
+          <a:xfrm>
+            <a:off x="4506431" y="2146299"/>
+            <a:ext cx="3508745" cy="786809"/>
+          </a:xfrm>
+          <a:prstGeom prst="leftArrow">
+            <a:avLst/>
+          </a:prstGeom>
+        </p:spPr>
+        <p:style>
+          <a:lnRef idx="2">
+            <a:schemeClr val="accent1">
+              <a:shade val="50000"/>
+            </a:schemeClr>
+          </a:lnRef>
+          <a:fillRef idx="1">
+            <a:schemeClr val="accent1"/>
+          </a:fillRef>
+          <a:effectRef idx="0">
+            <a:schemeClr val="accent1"/>
+          </a:effectRef>
+          <a:fontRef idx="minor">
+            <a:schemeClr val="lt1"/>
+          </a:fontRef>
+        </p:style>
+        <p:txBody>
+          <a:bodyPr rtlCol="0" anchor="ctr"/>
+          <a:lstStyle/>
+          <a:p>
+            <a:pPr algn="ctr"/>
+            <a:r>
+              <a:rPr lang="en-US" dirty="0"/>
+              <a:t>FROM Clause – What Tables</a:t>
+            </a:r>
+          </a:p>
+        </p:txBody>
+      </p:sp>
+      <p:sp>
+        <p:nvSpPr>
+          <p:cNvPr id="6" name="Arrow: Left 5">
+            <a:extLst>
+              <a:ext uri="{FF2B5EF4-FFF2-40B4-BE49-F238E27FC236}">
+                <a16:creationId xmlns:a16="http://schemas.microsoft.com/office/drawing/2014/main" id="{AC862152-9B16-493B-89F0-00A363FCEC0D}"/>
+              </a:ext>
+            </a:extLst>
+          </p:cNvPr>
+          <p:cNvSpPr/>
+          <p:nvPr/>
+        </p:nvSpPr>
+        <p:spPr>
+          <a:xfrm>
+            <a:off x="4410737" y="2642191"/>
+            <a:ext cx="3508745" cy="786809"/>
+          </a:xfrm>
+          <a:prstGeom prst="leftArrow">
+            <a:avLst/>
+          </a:prstGeom>
+        </p:spPr>
+        <p:style>
+          <a:lnRef idx="2">
+            <a:schemeClr val="accent1">
+              <a:shade val="50000"/>
+            </a:schemeClr>
+          </a:lnRef>
+          <a:fillRef idx="1">
+            <a:schemeClr val="accent1"/>
+          </a:fillRef>
+          <a:effectRef idx="0">
+            <a:schemeClr val="accent1"/>
+          </a:effectRef>
+          <a:fontRef idx="minor">
+            <a:schemeClr val="lt1"/>
+          </a:fontRef>
+        </p:style>
+        <p:txBody>
+          <a:bodyPr rtlCol="0" anchor="ctr"/>
+          <a:lstStyle/>
+          <a:p>
+            <a:pPr algn="ctr"/>
+            <a:r>
+              <a:rPr lang="en-US" dirty="0"/>
+              <a:t>WHERE Clause – Filters</a:t>
+            </a:r>
+          </a:p>
+        </p:txBody>
+      </p:sp>
     </p:spTree>
     <p:extLst>
       <p:ext uri="{BB962C8B-B14F-4D97-AF65-F5344CB8AC3E}">
-        <p14:creationId xmlns:p14="http://schemas.microsoft.com/office/powerpoint/2010/main" val="2340232972"/>
+        <p14:creationId xmlns:p14="http://schemas.microsoft.com/office/powerpoint/2010/main" val="2697692678"/>
       </p:ext>
     </p:extLst>
   </p:cSld>
@@ -6773,10 +6880,10 @@
       </p:grpSpPr>
       <p:sp>
         <p:nvSpPr>
-          <p:cNvPr id="5" name="Title 4">
-            <a:extLst>
-              <a:ext uri="{FF2B5EF4-FFF2-40B4-BE49-F238E27FC236}">
-                <a16:creationId xmlns:a16="http://schemas.microsoft.com/office/drawing/2014/main" id="{3451DC19-7301-4A76-B7B6-014CEED408FB}"/>
+          <p:cNvPr id="2" name="Title 1">
+            <a:extLst>
+              <a:ext uri="{FF2B5EF4-FFF2-40B4-BE49-F238E27FC236}">
+                <a16:creationId xmlns:a16="http://schemas.microsoft.com/office/drawing/2014/main" id="{A50F4AAD-B743-485A-A5E0-17ADAB97C95C}"/>
               </a:ext>
             </a:extLst>
           </p:cNvPr>
@@ -6794,25 +6901,25 @@
           <a:p>
             <a:r>
               <a:rPr lang="en-US" dirty="0"/>
-              <a:t>Thank You!</a:t>
-            </a:r>
-          </a:p>
-        </p:txBody>
-      </p:sp>
-      <p:sp>
-        <p:nvSpPr>
-          <p:cNvPr id="6" name="Text Placeholder 5">
-            <a:extLst>
-              <a:ext uri="{FF2B5EF4-FFF2-40B4-BE49-F238E27FC236}">
-                <a16:creationId xmlns:a16="http://schemas.microsoft.com/office/drawing/2014/main" id="{754D214E-977A-482D-A3DE-7361432EDF97}"/>
-              </a:ext>
-            </a:extLst>
-          </p:cNvPr>
-          <p:cNvSpPr>
-            <a:spLocks noGrp="1"/>
-          </p:cNvSpPr>
-          <p:nvPr>
-            <p:ph type="body" idx="1"/>
+              <a:t>Additional Resources</a:t>
+            </a:r>
+          </a:p>
+        </p:txBody>
+      </p:sp>
+      <p:sp>
+        <p:nvSpPr>
+          <p:cNvPr id="3" name="Content Placeholder 2">
+            <a:extLst>
+              <a:ext uri="{FF2B5EF4-FFF2-40B4-BE49-F238E27FC236}">
+                <a16:creationId xmlns:a16="http://schemas.microsoft.com/office/drawing/2014/main" id="{850389D9-6F79-41A4-8E25-4AE529449A3E}"/>
+              </a:ext>
+            </a:extLst>
+          </p:cNvPr>
+          <p:cNvSpPr>
+            <a:spLocks noGrp="1"/>
+          </p:cNvSpPr>
+          <p:nvPr>
+            <p:ph idx="1"/>
           </p:nvPr>
         </p:nvSpPr>
         <p:spPr/>
@@ -6820,7 +6927,31 @@
           <a:bodyPr/>
           <a:lstStyle/>
           <a:p>
-            <a:endParaRPr lang="en-US"/>
+            <a:r>
+              <a:rPr lang="en-US" dirty="0">
+                <a:hlinkClick r:id="rId2"/>
+              </a:rPr>
+              <a:t>https://www.baeldung.com/spring-jdbc-jdbctemplate</a:t>
+            </a:r>
+            <a:endParaRPr lang="en-US" dirty="0"/>
+          </a:p>
+          <a:p>
+            <a:r>
+              <a:rPr lang="en-US" dirty="0">
+                <a:hlinkClick r:id="rId3"/>
+              </a:rPr>
+              <a:t>https://docs.spring.io/spring/docs/current/spring-framework-reference/data-access.html</a:t>
+            </a:r>
+            <a:endParaRPr lang="en-US" dirty="0"/>
+          </a:p>
+          <a:p>
+            <a:r>
+              <a:rPr lang="en-US" dirty="0">
+                <a:hlinkClick r:id="rId4"/>
+              </a:rPr>
+              <a:t>https://www.w3schools.com/sql/</a:t>
+            </a:r>
+            <a:endParaRPr lang="en-US" dirty="0"/>
           </a:p>
         </p:txBody>
       </p:sp>
@@ -6829,7 +6960,7 @@
           <p:cNvPr id="4" name="Slide Number Placeholder 3">
             <a:extLst>
               <a:ext uri="{FF2B5EF4-FFF2-40B4-BE49-F238E27FC236}">
-                <a16:creationId xmlns:a16="http://schemas.microsoft.com/office/drawing/2014/main" id="{14599AA1-E29D-4CBB-84B3-17CEEDE3EC17}"/>
+                <a16:creationId xmlns:a16="http://schemas.microsoft.com/office/drawing/2014/main" id="{476972F2-DFD1-4DD3-9865-C83F9089E041}"/>
               </a:ext>
             </a:extLst>
           </p:cNvPr>
@@ -6848,6 +6979,118 @@
             <a:fld id="{945DE137-1981-4A6E-942B-1AACE1746372}" type="slidenum">
               <a:rPr lang="en-US" smtClean="0"/>
               <a:t>16</a:t>
+            </a:fld>
+            <a:endParaRPr lang="en-US"/>
+          </a:p>
+        </p:txBody>
+      </p:sp>
+    </p:spTree>
+    <p:extLst>
+      <p:ext uri="{BB962C8B-B14F-4D97-AF65-F5344CB8AC3E}">
+        <p14:creationId xmlns:p14="http://schemas.microsoft.com/office/powerpoint/2010/main" val="2340232972"/>
+      </p:ext>
+    </p:extLst>
+  </p:cSld>
+  <p:clrMapOvr>
+    <a:masterClrMapping/>
+  </p:clrMapOvr>
+</p:sld>
+</file>
+
+<file path=ppt/slides/slide17.xml><?xml version="1.0" encoding="utf-8"?>
+<p:sld xmlns:a="http://schemas.openxmlformats.org/drawingml/2006/main" xmlns:r="http://schemas.openxmlformats.org/officeDocument/2006/relationships" xmlns:p="http://schemas.openxmlformats.org/presentationml/2006/main">
+  <p:cSld>
+    <p:spTree>
+      <p:nvGrpSpPr>
+        <p:cNvPr id="1" name=""/>
+        <p:cNvGrpSpPr/>
+        <p:nvPr/>
+      </p:nvGrpSpPr>
+      <p:grpSpPr>
+        <a:xfrm>
+          <a:off x="0" y="0"/>
+          <a:ext cx="0" cy="0"/>
+          <a:chOff x="0" y="0"/>
+          <a:chExt cx="0" cy="0"/>
+        </a:xfrm>
+      </p:grpSpPr>
+      <p:sp>
+        <p:nvSpPr>
+          <p:cNvPr id="5" name="Title 4">
+            <a:extLst>
+              <a:ext uri="{FF2B5EF4-FFF2-40B4-BE49-F238E27FC236}">
+                <a16:creationId xmlns:a16="http://schemas.microsoft.com/office/drawing/2014/main" id="{3451DC19-7301-4A76-B7B6-014CEED408FB}"/>
+              </a:ext>
+            </a:extLst>
+          </p:cNvPr>
+          <p:cNvSpPr>
+            <a:spLocks noGrp="1"/>
+          </p:cNvSpPr>
+          <p:nvPr>
+            <p:ph type="title"/>
+          </p:nvPr>
+        </p:nvSpPr>
+        <p:spPr/>
+        <p:txBody>
+          <a:bodyPr/>
+          <a:lstStyle/>
+          <a:p>
+            <a:r>
+              <a:rPr lang="en-US" dirty="0"/>
+              <a:t>Thank You!</a:t>
+            </a:r>
+          </a:p>
+        </p:txBody>
+      </p:sp>
+      <p:sp>
+        <p:nvSpPr>
+          <p:cNvPr id="6" name="Text Placeholder 5">
+            <a:extLst>
+              <a:ext uri="{FF2B5EF4-FFF2-40B4-BE49-F238E27FC236}">
+                <a16:creationId xmlns:a16="http://schemas.microsoft.com/office/drawing/2014/main" id="{754D214E-977A-482D-A3DE-7361432EDF97}"/>
+              </a:ext>
+            </a:extLst>
+          </p:cNvPr>
+          <p:cNvSpPr>
+            <a:spLocks noGrp="1"/>
+          </p:cNvSpPr>
+          <p:nvPr>
+            <p:ph type="body" idx="1"/>
+          </p:nvPr>
+        </p:nvSpPr>
+        <p:spPr/>
+        <p:txBody>
+          <a:bodyPr/>
+          <a:lstStyle/>
+          <a:p>
+            <a:endParaRPr lang="en-US"/>
+          </a:p>
+        </p:txBody>
+      </p:sp>
+      <p:sp>
+        <p:nvSpPr>
+          <p:cNvPr id="4" name="Slide Number Placeholder 3">
+            <a:extLst>
+              <a:ext uri="{FF2B5EF4-FFF2-40B4-BE49-F238E27FC236}">
+                <a16:creationId xmlns:a16="http://schemas.microsoft.com/office/drawing/2014/main" id="{14599AA1-E29D-4CBB-84B3-17CEEDE3EC17}"/>
+              </a:ext>
+            </a:extLst>
+          </p:cNvPr>
+          <p:cNvSpPr>
+            <a:spLocks noGrp="1"/>
+          </p:cNvSpPr>
+          <p:nvPr>
+            <p:ph type="sldNum" sz="quarter" idx="12"/>
+          </p:nvPr>
+        </p:nvSpPr>
+        <p:spPr/>
+        <p:txBody>
+          <a:bodyPr/>
+          <a:lstStyle/>
+          <a:p>
+            <a:fld id="{945DE137-1981-4A6E-942B-1AACE1746372}" type="slidenum">
+              <a:rPr lang="en-US" smtClean="0"/>
+              <a:t>17</a:t>
             </a:fld>
             <a:endParaRPr lang="en-US"/>
           </a:p>
